--- a/amcat ppt.pptx
+++ b/amcat ppt.pptx
@@ -5,59 +5,60 @@
     <p:sldMasterId id="2147483648" r:id="rId1"/>
   </p:sldMasterIdLst>
   <p:notesMasterIdLst>
-    <p:notesMasterId r:id="rId20"/>
+    <p:notesMasterId r:id="rId21"/>
   </p:notesMasterIdLst>
   <p:sldIdLst>
     <p:sldId id="256" r:id="rId2"/>
     <p:sldId id="257" r:id="rId3"/>
     <p:sldId id="260" r:id="rId4"/>
-    <p:sldId id="261" r:id="rId5"/>
-    <p:sldId id="262" r:id="rId6"/>
-    <p:sldId id="263" r:id="rId7"/>
-    <p:sldId id="264" r:id="rId8"/>
-    <p:sldId id="265" r:id="rId9"/>
-    <p:sldId id="266" r:id="rId10"/>
-    <p:sldId id="267" r:id="rId11"/>
-    <p:sldId id="268" r:id="rId12"/>
-    <p:sldId id="269" r:id="rId13"/>
-    <p:sldId id="270" r:id="rId14"/>
-    <p:sldId id="271" r:id="rId15"/>
-    <p:sldId id="272" r:id="rId16"/>
-    <p:sldId id="273" r:id="rId17"/>
-    <p:sldId id="274" r:id="rId18"/>
-    <p:sldId id="259" r:id="rId19"/>
+    <p:sldId id="275" r:id="rId5"/>
+    <p:sldId id="261" r:id="rId6"/>
+    <p:sldId id="262" r:id="rId7"/>
+    <p:sldId id="263" r:id="rId8"/>
+    <p:sldId id="264" r:id="rId9"/>
+    <p:sldId id="265" r:id="rId10"/>
+    <p:sldId id="266" r:id="rId11"/>
+    <p:sldId id="267" r:id="rId12"/>
+    <p:sldId id="268" r:id="rId13"/>
+    <p:sldId id="269" r:id="rId14"/>
+    <p:sldId id="270" r:id="rId15"/>
+    <p:sldId id="271" r:id="rId16"/>
+    <p:sldId id="272" r:id="rId17"/>
+    <p:sldId id="273" r:id="rId18"/>
+    <p:sldId id="274" r:id="rId19"/>
+    <p:sldId id="259" r:id="rId20"/>
   </p:sldIdLst>
   <p:sldSz cx="12192000" cy="6858000"/>
   <p:notesSz cx="6858000" cy="9144000"/>
   <p:embeddedFontLst>
     <p:embeddedFont>
       <p:font typeface="Arial Black" panose="020B0A04020102020204" pitchFamily="34" charset="0"/>
-      <p:bold r:id="rId21"/>
+      <p:bold r:id="rId22"/>
     </p:embeddedFont>
     <p:embeddedFont>
       <p:font typeface="Calibri" panose="020F0502020204030204" pitchFamily="34" charset="0"/>
-      <p:regular r:id="rId22"/>
-      <p:bold r:id="rId23"/>
-      <p:italic r:id="rId24"/>
-      <p:boldItalic r:id="rId25"/>
+      <p:regular r:id="rId23"/>
+      <p:bold r:id="rId24"/>
+      <p:italic r:id="rId25"/>
+      <p:boldItalic r:id="rId26"/>
     </p:embeddedFont>
     <p:embeddedFont>
       <p:font typeface="Lato Black" panose="020B0604020202020204" charset="0"/>
-      <p:bold r:id="rId26"/>
-      <p:boldItalic r:id="rId27"/>
+      <p:bold r:id="rId27"/>
+      <p:boldItalic r:id="rId28"/>
     </p:embeddedFont>
     <p:embeddedFont>
       <p:font typeface="Libre Baskerville" panose="020B0604020202020204" charset="0"/>
-      <p:regular r:id="rId28"/>
-      <p:bold r:id="rId29"/>
-      <p:italic r:id="rId30"/>
+      <p:regular r:id="rId29"/>
+      <p:bold r:id="rId30"/>
+      <p:italic r:id="rId31"/>
     </p:embeddedFont>
     <p:embeddedFont>
       <p:font typeface="Lucida Sans" panose="020B0602030504020204" pitchFamily="34" charset="0"/>
-      <p:regular r:id="rId31"/>
-      <p:bold r:id="rId32"/>
-      <p:italic r:id="rId33"/>
-      <p:boldItalic r:id="rId34"/>
+      <p:regular r:id="rId32"/>
+      <p:bold r:id="rId33"/>
+      <p:italic r:id="rId34"/>
+      <p:boldItalic r:id="rId35"/>
     </p:embeddedFont>
   </p:embeddedFontLst>
   <p:defaultTextStyle>
@@ -290,8 +291,11 @@
     </a:lvl9pPr>
   </p:defaultTextStyle>
   <p:extLst>
+    <p:ext uri="{EFAFB233-063F-42B5-8137-9DF3F51BA10A}">
+      <p15:sldGuideLst xmlns:p15="http://schemas.microsoft.com/office/powerpoint/2012/main"/>
+    </p:ext>
     <p:ext uri="GoogleSlidesCustomDataVersion2">
-      <go:slidesCustomData xmlns:go="http://customooxmlschemas.google.com/" xmlns:ahyp="http://schemas.microsoft.com/office/drawing/2018/hyperlinkcolor" xmlns:p15="http://schemas.microsoft.com/office/powerpoint/2012/main" xmlns:p14="http://schemas.microsoft.com/office/powerpoint/2010/main" xmlns:com="http://schemas.openxmlformats.org/drawingml/2006/compatibility" xmlns:pvml="urn:schemas-microsoft-com:office:powerpoint" xmlns:v="urn:schemas-microsoft-com:vml" xmlns:o="urn:schemas-microsoft-com:office:office" xmlns:dgm="http://schemas.openxmlformats.org/drawingml/2006/diagram" xmlns:c="http://schemas.openxmlformats.org/drawingml/2006/chart" xmlns:mv="urn:schemas-microsoft-com:mac:vml" xmlns:mc="http://schemas.openxmlformats.org/markup-compatibility/2006" xmlns="" r:id="rId35" roundtripDataSignature="AMtx7mhnFQsu0qTBRZ+C47HNp0tuHCNkog=="/>
+      <go:slidesCustomData xmlns="" xmlns:mc="http://schemas.openxmlformats.org/markup-compatibility/2006" xmlns:mv="urn:schemas-microsoft-com:mac:vml" xmlns:c="http://schemas.openxmlformats.org/drawingml/2006/chart" xmlns:dgm="http://schemas.openxmlformats.org/drawingml/2006/diagram" xmlns:o="urn:schemas-microsoft-com:office:office" xmlns:v="urn:schemas-microsoft-com:vml" xmlns:pvml="urn:schemas-microsoft-com:office:powerpoint" xmlns:com="http://schemas.openxmlformats.org/drawingml/2006/compatibility" xmlns:p14="http://schemas.microsoft.com/office/powerpoint/2010/main" xmlns:p15="http://schemas.microsoft.com/office/powerpoint/2012/main" xmlns:ahyp="http://schemas.microsoft.com/office/drawing/2018/hyperlinkcolor" xmlns:go="http://customooxmlschemas.google.com/" r:id="rId36" roundtripDataSignature="AMtx7mhnFQsu0qTBRZ+C47HNp0tuHCNkog=="/>
     </p:ext>
   </p:extLst>
 </p:presentation>
@@ -314,7 +318,7 @@
   <pc:docChgLst>
     <pc:chgData userId="3088ddd43fb9d021" providerId="LiveId" clId="{7D1E9C9E-95B1-4118-9459-AD382DEC382B}"/>
     <pc:docChg chg="undo redo custSel addSld delSld modSld">
-      <pc:chgData name="" userId="3088ddd43fb9d021" providerId="LiveId" clId="{7D1E9C9E-95B1-4118-9459-AD382DEC382B}" dt="2024-10-15T02:02:20.578" v="1064" actId="2696"/>
+      <pc:chgData name="" userId="3088ddd43fb9d021" providerId="LiveId" clId="{7D1E9C9E-95B1-4118-9459-AD382DEC382B}" dt="2024-10-15T02:48:09.300" v="1675" actId="113"/>
       <pc:docMkLst>
         <pc:docMk/>
       </pc:docMkLst>
@@ -371,14 +375,54 @@
           <pc:sldMk cId="0" sldId="258"/>
         </pc:sldMkLst>
       </pc:sldChg>
-      <pc:sldChg chg="addSp modSp add">
-        <pc:chgData name="" userId="3088ddd43fb9d021" providerId="LiveId" clId="{7D1E9C9E-95B1-4118-9459-AD382DEC382B}" dt="2024-10-14T16:03:00.392" v="180" actId="14100"/>
+      <pc:sldChg chg="addSp delSp modSp add">
+        <pc:chgData name="" userId="3088ddd43fb9d021" providerId="LiveId" clId="{7D1E9C9E-95B1-4118-9459-AD382DEC382B}" dt="2024-10-15T02:34:07.534" v="1197" actId="14100"/>
         <pc:sldMkLst>
           <pc:docMk/>
           <pc:sldMk cId="2856308525" sldId="260"/>
         </pc:sldMkLst>
-        <pc:picChg chg="add mod">
-          <ac:chgData name="" userId="3088ddd43fb9d021" providerId="LiveId" clId="{7D1E9C9E-95B1-4118-9459-AD382DEC382B}" dt="2024-10-14T16:03:00.392" v="180" actId="14100"/>
+        <pc:spChg chg="add mod">
+          <ac:chgData name="" userId="3088ddd43fb9d021" providerId="LiveId" clId="{7D1E9C9E-95B1-4118-9459-AD382DEC382B}" dt="2024-10-15T02:32:37.462" v="1186" actId="207"/>
+          <ac:spMkLst>
+            <pc:docMk/>
+            <pc:sldMk cId="2856308525" sldId="260"/>
+            <ac:spMk id="3" creationId="{3D76ADE3-99C1-41C5-B4AB-5F8AB01D8410}"/>
+          </ac:spMkLst>
+        </pc:spChg>
+        <pc:spChg chg="add mod">
+          <ac:chgData name="" userId="3088ddd43fb9d021" providerId="LiveId" clId="{7D1E9C9E-95B1-4118-9459-AD382DEC382B}" dt="2024-10-15T02:34:07.534" v="1197" actId="14100"/>
+          <ac:spMkLst>
+            <pc:docMk/>
+            <pc:sldMk cId="2856308525" sldId="260"/>
+            <ac:spMk id="4" creationId="{826266E4-EAE0-4C8E-A898-1EFBA0239876}"/>
+          </ac:spMkLst>
+        </pc:spChg>
+        <pc:spChg chg="add del mod">
+          <ac:chgData name="" userId="3088ddd43fb9d021" providerId="LiveId" clId="{7D1E9C9E-95B1-4118-9459-AD382DEC382B}" dt="2024-10-15T02:27:14.754" v="1111"/>
+          <ac:spMkLst>
+            <pc:docMk/>
+            <pc:sldMk cId="2856308525" sldId="260"/>
+            <ac:spMk id="5" creationId="{3893C775-C7EC-46EB-BA37-02B0EF7F81BF}"/>
+          </ac:spMkLst>
+        </pc:spChg>
+        <pc:spChg chg="add mod">
+          <ac:chgData name="" userId="3088ddd43fb9d021" providerId="LiveId" clId="{7D1E9C9E-95B1-4118-9459-AD382DEC382B}" dt="2024-10-15T02:32:44.927" v="1187" actId="207"/>
+          <ac:spMkLst>
+            <pc:docMk/>
+            <pc:sldMk cId="2856308525" sldId="260"/>
+            <ac:spMk id="6" creationId="{40691033-1E2F-4D9E-B5EA-556D4650109B}"/>
+          </ac:spMkLst>
+        </pc:spChg>
+        <pc:spChg chg="add mod">
+          <ac:chgData name="" userId="3088ddd43fb9d021" providerId="LiveId" clId="{7D1E9C9E-95B1-4118-9459-AD382DEC382B}" dt="2024-10-15T02:33:30.178" v="1190" actId="403"/>
+          <ac:spMkLst>
+            <pc:docMk/>
+            <pc:sldMk cId="2856308525" sldId="260"/>
+            <ac:spMk id="7" creationId="{41E1DB92-D221-4CCC-BAD2-18943D705BDD}"/>
+          </ac:spMkLst>
+        </pc:spChg>
+        <pc:picChg chg="add del mod">
+          <ac:chgData name="" userId="3088ddd43fb9d021" providerId="LiveId" clId="{7D1E9C9E-95B1-4118-9459-AD382DEC382B}" dt="2024-10-15T02:25:43.659" v="1065" actId="478"/>
           <ac:picMkLst>
             <pc:docMk/>
             <pc:sldMk cId="2856308525" sldId="260"/>
@@ -442,13 +486,13 @@
         </pc:picChg>
       </pc:sldChg>
       <pc:sldChg chg="addSp delSp modSp add">
-        <pc:chgData name="" userId="3088ddd43fb9d021" providerId="LiveId" clId="{7D1E9C9E-95B1-4118-9459-AD382DEC382B}" dt="2024-10-15T00:37:30.489" v="364"/>
+        <pc:chgData name="" userId="3088ddd43fb9d021" providerId="LiveId" clId="{7D1E9C9E-95B1-4118-9459-AD382DEC382B}" dt="2024-10-15T02:34:40.486" v="1199" actId="14100"/>
         <pc:sldMkLst>
           <pc:docMk/>
           <pc:sldMk cId="2905329489" sldId="262"/>
         </pc:sldMkLst>
         <pc:spChg chg="mod">
-          <ac:chgData name="" userId="3088ddd43fb9d021" providerId="LiveId" clId="{7D1E9C9E-95B1-4118-9459-AD382DEC382B}" dt="2024-10-15T00:34:37.736" v="340" actId="20577"/>
+          <ac:chgData name="" userId="3088ddd43fb9d021" providerId="LiveId" clId="{7D1E9C9E-95B1-4118-9459-AD382DEC382B}" dt="2024-10-15T02:34:40.486" v="1199" actId="14100"/>
           <ac:spMkLst>
             <pc:docMk/>
             <pc:sldMk cId="2905329489" sldId="262"/>
@@ -553,17 +597,25 @@
         </pc:picChg>
       </pc:sldChg>
       <pc:sldChg chg="addSp delSp modSp add">
-        <pc:chgData name="" userId="3088ddd43fb9d021" providerId="LiveId" clId="{7D1E9C9E-95B1-4118-9459-AD382DEC382B}" dt="2024-10-15T00:41:30.820" v="447" actId="14100"/>
+        <pc:chgData name="" userId="3088ddd43fb9d021" providerId="LiveId" clId="{7D1E9C9E-95B1-4118-9459-AD382DEC382B}" dt="2024-10-15T02:39:49.632" v="1226" actId="14100"/>
         <pc:sldMkLst>
           <pc:docMk/>
           <pc:sldMk cId="1579750498" sldId="263"/>
         </pc:sldMkLst>
         <pc:spChg chg="mod">
-          <ac:chgData name="" userId="3088ddd43fb9d021" providerId="LiveId" clId="{7D1E9C9E-95B1-4118-9459-AD382DEC382B}" dt="2024-10-15T00:38:48.091" v="417" actId="20577"/>
+          <ac:chgData name="" userId="3088ddd43fb9d021" providerId="LiveId" clId="{7D1E9C9E-95B1-4118-9459-AD382DEC382B}" dt="2024-10-15T02:38:37.753" v="1219" actId="207"/>
           <ac:spMkLst>
             <pc:docMk/>
             <pc:sldMk cId="1579750498" sldId="263"/>
             <ac:spMk id="2" creationId="{AB77E138-4BA6-47AC-AC42-37ADD8CD81F0}"/>
+          </ac:spMkLst>
+        </pc:spChg>
+        <pc:spChg chg="add del">
+          <ac:chgData name="" userId="3088ddd43fb9d021" providerId="LiveId" clId="{7D1E9C9E-95B1-4118-9459-AD382DEC382B}" dt="2024-10-15T02:37:26.608" v="1201"/>
+          <ac:spMkLst>
+            <pc:docMk/>
+            <pc:sldMk cId="1579750498" sldId="263"/>
+            <ac:spMk id="3" creationId="{19626B0A-D4FE-4847-915E-E73A6245395E}"/>
           </ac:spMkLst>
         </pc:spChg>
         <pc:spChg chg="del">
@@ -583,6 +635,14 @@
           </ac:spMkLst>
         </pc:spChg>
         <pc:spChg chg="add mod">
+          <ac:chgData name="" userId="3088ddd43fb9d021" providerId="LiveId" clId="{7D1E9C9E-95B1-4118-9459-AD382DEC382B}" dt="2024-10-15T02:39:49.632" v="1226" actId="14100"/>
+          <ac:spMkLst>
+            <pc:docMk/>
+            <pc:sldMk cId="1579750498" sldId="263"/>
+            <ac:spMk id="6" creationId="{06A462F8-2B0C-40EA-856C-D51A81DDF835}"/>
+          </ac:spMkLst>
+        </pc:spChg>
+        <pc:spChg chg="add mod">
           <ac:chgData name="" userId="3088ddd43fb9d021" providerId="LiveId" clId="{7D1E9C9E-95B1-4118-9459-AD382DEC382B}" dt="2024-10-15T00:41:20.238" v="445" actId="14100"/>
           <ac:spMkLst>
             <pc:docMk/>
@@ -591,11 +651,19 @@
           </ac:spMkLst>
         </pc:spChg>
         <pc:picChg chg="add mod">
-          <ac:chgData name="" userId="3088ddd43fb9d021" providerId="LiveId" clId="{7D1E9C9E-95B1-4118-9459-AD382DEC382B}" dt="2024-10-15T00:41:30.820" v="447" actId="14100"/>
+          <ac:chgData name="" userId="3088ddd43fb9d021" providerId="LiveId" clId="{7D1E9C9E-95B1-4118-9459-AD382DEC382B}" dt="2024-10-15T02:38:45.626" v="1220" actId="1076"/>
           <ac:picMkLst>
             <pc:docMk/>
             <pc:sldMk cId="1579750498" sldId="263"/>
             <ac:picMk id="4" creationId="{CD32B60A-469B-4F45-8B85-C2F733D83B87}"/>
+          </ac:picMkLst>
+        </pc:picChg>
+        <pc:picChg chg="add mod">
+          <ac:chgData name="" userId="3088ddd43fb9d021" providerId="LiveId" clId="{7D1E9C9E-95B1-4118-9459-AD382DEC382B}" dt="2024-10-15T02:38:58.400" v="1222" actId="1076"/>
+          <ac:picMkLst>
+            <pc:docMk/>
+            <pc:sldMk cId="1579750498" sldId="263"/>
+            <ac:picMk id="5" creationId="{F5552937-6221-47B3-B487-86521381B932}"/>
           </ac:picMkLst>
         </pc:picChg>
         <pc:picChg chg="add del">
@@ -608,7 +676,7 @@
         </pc:picChg>
       </pc:sldChg>
       <pc:sldChg chg="addSp delSp modSp add">
-        <pc:chgData name="" userId="3088ddd43fb9d021" providerId="LiveId" clId="{7D1E9C9E-95B1-4118-9459-AD382DEC382B}" dt="2024-10-15T00:47:41.567" v="544" actId="1076"/>
+        <pc:chgData name="" userId="3088ddd43fb9d021" providerId="LiveId" clId="{7D1E9C9E-95B1-4118-9459-AD382DEC382B}" dt="2024-10-15T02:40:17.207" v="1227" actId="207"/>
         <pc:sldMkLst>
           <pc:docMk/>
           <pc:sldMk cId="4099098872" sldId="264"/>
@@ -630,7 +698,7 @@
           </ac:spMkLst>
         </pc:spChg>
         <pc:spChg chg="add mod">
-          <ac:chgData name="" userId="3088ddd43fb9d021" providerId="LiveId" clId="{7D1E9C9E-95B1-4118-9459-AD382DEC382B}" dt="2024-10-15T00:45:49.310" v="497" actId="20577"/>
+          <ac:chgData name="" userId="3088ddd43fb9d021" providerId="LiveId" clId="{7D1E9C9E-95B1-4118-9459-AD382DEC382B}" dt="2024-10-15T02:40:17.207" v="1227" actId="207"/>
           <ac:spMkLst>
             <pc:docMk/>
             <pc:sldMk cId="4099098872" sldId="264"/>
@@ -1044,6 +1112,37 @@
           </ac:spMkLst>
         </pc:spChg>
       </pc:sldChg>
+      <pc:sldChg chg="addSp delSp modSp add">
+        <pc:chgData name="" userId="3088ddd43fb9d021" providerId="LiveId" clId="{7D1E9C9E-95B1-4118-9459-AD382DEC382B}" dt="2024-10-15T02:48:09.300" v="1675" actId="113"/>
+        <pc:sldMkLst>
+          <pc:docMk/>
+          <pc:sldMk cId="3597784193" sldId="275"/>
+        </pc:sldMkLst>
+        <pc:spChg chg="add del mod">
+          <ac:chgData name="" userId="3088ddd43fb9d021" providerId="LiveId" clId="{7D1E9C9E-95B1-4118-9459-AD382DEC382B}" dt="2024-10-15T02:41:26.683" v="1230"/>
+          <ac:spMkLst>
+            <pc:docMk/>
+            <pc:sldMk cId="3597784193" sldId="275"/>
+            <ac:spMk id="2" creationId="{D5681EDD-7670-4CD1-ACFE-BA9B8E4BDF53}"/>
+          </ac:spMkLst>
+        </pc:spChg>
+        <pc:spChg chg="add mod">
+          <ac:chgData name="" userId="3088ddd43fb9d021" providerId="LiveId" clId="{7D1E9C9E-95B1-4118-9459-AD382DEC382B}" dt="2024-10-15T02:47:44.205" v="1640" actId="207"/>
+          <ac:spMkLst>
+            <pc:docMk/>
+            <pc:sldMk cId="3597784193" sldId="275"/>
+            <ac:spMk id="3" creationId="{5BBE134C-DF27-4C57-A8D9-6C0726325AC1}"/>
+          </ac:spMkLst>
+        </pc:spChg>
+        <pc:spChg chg="add mod">
+          <ac:chgData name="" userId="3088ddd43fb9d021" providerId="LiveId" clId="{7D1E9C9E-95B1-4118-9459-AD382DEC382B}" dt="2024-10-15T02:48:09.300" v="1675" actId="113"/>
+          <ac:spMkLst>
+            <pc:docMk/>
+            <pc:sldMk cId="3597784193" sldId="275"/>
+            <ac:spMk id="4" creationId="{405BEC7B-2483-430C-B08B-CCBCE5D76FE8}"/>
+          </ac:spMkLst>
+        </pc:spChg>
+      </pc:sldChg>
     </pc:docChg>
   </pc:docChgLst>
 </pc:chgInfo>
@@ -2554,7 +2653,7 @@
                 <a:cs typeface="Calibri"/>
                 <a:sym typeface="Calibri"/>
               </a:rPr>
-              <a:t>11</a:t>
+              <a:t>12</a:t>
             </a:fld>
             <a:endParaRPr lang="en-IN" sz="1200" b="0" i="0" u="none" strike="noStrike" cap="none">
               <a:solidFill>
@@ -2663,7 +2762,7 @@
                 <a:cs typeface="Calibri"/>
                 <a:sym typeface="Calibri"/>
               </a:rPr>
-              <a:t>12</a:t>
+              <a:t>13</a:t>
             </a:fld>
             <a:endParaRPr lang="en-IN" sz="1200" b="0" i="0" u="none" strike="noStrike" cap="none">
               <a:solidFill>
@@ -13438,6 +13537,166 @@
       </p:grpSpPr>
       <p:pic>
         <p:nvPicPr>
+          <p:cNvPr id="4" name="Picture 3">
+            <a:extLst>
+              <a:ext uri="{FF2B5EF4-FFF2-40B4-BE49-F238E27FC236}">
+                <a16:creationId xmlns:a16="http://schemas.microsoft.com/office/drawing/2014/main" id="{D4008CF0-EF37-435D-8AE7-58E94D2E57F1}"/>
+              </a:ext>
+            </a:extLst>
+          </p:cNvPr>
+          <p:cNvPicPr>
+            <a:picLocks noChangeAspect="1"/>
+          </p:cNvPicPr>
+          <p:nvPr/>
+        </p:nvPicPr>
+        <p:blipFill>
+          <a:blip r:embed="rId2"/>
+          <a:stretch>
+            <a:fillRect/>
+          </a:stretch>
+        </p:blipFill>
+        <p:spPr>
+          <a:xfrm>
+            <a:off x="513907" y="671884"/>
+            <a:ext cx="11164186" cy="4575512"/>
+          </a:xfrm>
+          <a:prstGeom prst="rect">
+            <a:avLst/>
+          </a:prstGeom>
+        </p:spPr>
+      </p:pic>
+      <p:sp>
+        <p:nvSpPr>
+          <p:cNvPr id="5" name="TextBox 4">
+            <a:extLst>
+              <a:ext uri="{FF2B5EF4-FFF2-40B4-BE49-F238E27FC236}">
+                <a16:creationId xmlns:a16="http://schemas.microsoft.com/office/drawing/2014/main" id="{711D51C9-ABFD-4D51-BB1E-0A4970677FAB}"/>
+              </a:ext>
+            </a:extLst>
+          </p:cNvPr>
+          <p:cNvSpPr txBox="1"/>
+          <p:nvPr/>
+        </p:nvSpPr>
+        <p:spPr>
+          <a:xfrm>
+            <a:off x="1552350" y="151939"/>
+            <a:ext cx="8484783" cy="461665"/>
+          </a:xfrm>
+          <a:prstGeom prst="rect">
+            <a:avLst/>
+          </a:prstGeom>
+          <a:noFill/>
+        </p:spPr>
+        <p:txBody>
+          <a:bodyPr wrap="square" rtlCol="0">
+            <a:spAutoFit/>
+          </a:bodyPr>
+          <a:lstStyle/>
+          <a:p>
+            <a:r>
+              <a:rPr lang="en-US" sz="2400" b="1" dirty="0"/>
+              <a:t>	    Bivariate Analysis on Salary and Designation</a:t>
+            </a:r>
+            <a:endParaRPr lang="en-AU" sz="2400" b="1" dirty="0"/>
+          </a:p>
+        </p:txBody>
+      </p:sp>
+      <p:sp>
+        <p:nvSpPr>
+          <p:cNvPr id="6" name="TextBox 5">
+            <a:extLst>
+              <a:ext uri="{FF2B5EF4-FFF2-40B4-BE49-F238E27FC236}">
+                <a16:creationId xmlns:a16="http://schemas.microsoft.com/office/drawing/2014/main" id="{B32734FC-53BF-45B2-BAF4-C9F74D4F3073}"/>
+              </a:ext>
+            </a:extLst>
+          </p:cNvPr>
+          <p:cNvSpPr txBox="1"/>
+          <p:nvPr/>
+        </p:nvSpPr>
+        <p:spPr>
+          <a:xfrm>
+            <a:off x="1306032" y="5316338"/>
+            <a:ext cx="9579935" cy="1169551"/>
+          </a:xfrm>
+          <a:prstGeom prst="rect">
+            <a:avLst/>
+          </a:prstGeom>
+          <a:noFill/>
+        </p:spPr>
+        <p:txBody>
+          <a:bodyPr wrap="square" rtlCol="0">
+            <a:spAutoFit/>
+          </a:bodyPr>
+          <a:lstStyle/>
+          <a:p>
+            <a:r>
+              <a:rPr lang="en-US" b="1" dirty="0"/>
+              <a:t>We observe that Majority of the candidates are Male, many candidates are working as software engineer and software developer</a:t>
+            </a:r>
+          </a:p>
+          <a:p>
+            <a:r>
+              <a:rPr lang="en-US" b="1" dirty="0"/>
+              <a:t>* Majority of the Females are working as Software engineer compared to other roles</a:t>
+            </a:r>
+          </a:p>
+          <a:p>
+            <a:r>
+              <a:rPr lang="en-US" b="1" dirty="0"/>
+              <a:t>* Majority of the candidates are working in software field </a:t>
+            </a:r>
+            <a:r>
+              <a:rPr lang="en-US" b="1" dirty="0" err="1"/>
+              <a:t>because,majority</a:t>
+            </a:r>
+            <a:r>
+              <a:rPr lang="en-US" b="1" dirty="0"/>
+              <a:t> of the candidates have done </a:t>
+            </a:r>
+            <a:r>
+              <a:rPr lang="en-US" b="1" dirty="0" err="1"/>
+              <a:t>B.Tech</a:t>
+            </a:r>
+            <a:r>
+              <a:rPr lang="en-US" b="1" dirty="0"/>
+              <a:t> from CS and IT Specialization</a:t>
+            </a:r>
+            <a:endParaRPr lang="en-AU" b="1" dirty="0"/>
+          </a:p>
+        </p:txBody>
+      </p:sp>
+    </p:spTree>
+    <p:extLst>
+      <p:ext uri="{BB962C8B-B14F-4D97-AF65-F5344CB8AC3E}">
+        <p14:creationId xmlns:p14="http://schemas.microsoft.com/office/powerpoint/2010/main" val="3746761107"/>
+      </p:ext>
+    </p:extLst>
+  </p:cSld>
+  <p:clrMapOvr>
+    <a:masterClrMapping/>
+  </p:clrMapOvr>
+</p:sld>
+</file>
+
+<file path=ppt/slides/slide11.xml><?xml version="1.0" encoding="utf-8"?>
+<p:sld xmlns:a="http://schemas.openxmlformats.org/drawingml/2006/main" xmlns:r="http://schemas.openxmlformats.org/officeDocument/2006/relationships" xmlns:p="http://schemas.openxmlformats.org/presentationml/2006/main">
+  <p:cSld>
+    <p:spTree>
+      <p:nvGrpSpPr>
+        <p:cNvPr id="1" name=""/>
+        <p:cNvGrpSpPr/>
+        <p:nvPr/>
+      </p:nvGrpSpPr>
+      <p:grpSpPr>
+        <a:xfrm>
+          <a:off x="0" y="0"/>
+          <a:ext cx="0" cy="0"/>
+          <a:chOff x="0" y="0"/>
+          <a:chExt cx="0" cy="0"/>
+        </a:xfrm>
+      </p:grpSpPr>
+      <p:pic>
+        <p:nvPicPr>
           <p:cNvPr id="2" name="Picture 1">
             <a:extLst>
               <a:ext uri="{FF2B5EF4-FFF2-40B4-BE49-F238E27FC236}">
@@ -13523,7 +13782,7 @@
 </p:sld>
 </file>
 
-<file path=ppt/slides/slide11.xml><?xml version="1.0" encoding="utf-8"?>
+<file path=ppt/slides/slide12.xml><?xml version="1.0" encoding="utf-8"?>
 <p:sld xmlns:a="http://schemas.openxmlformats.org/drawingml/2006/main" xmlns:r="http://schemas.openxmlformats.org/officeDocument/2006/relationships" xmlns:p="http://schemas.openxmlformats.org/presentationml/2006/main">
   <p:cSld>
     <p:spTree>
@@ -13723,7 +13982,7 @@
 </p:sld>
 </file>
 
-<file path=ppt/slides/slide12.xml><?xml version="1.0" encoding="utf-8"?>
+<file path=ppt/slides/slide13.xml><?xml version="1.0" encoding="utf-8"?>
 <p:sld xmlns:a="http://schemas.openxmlformats.org/drawingml/2006/main" xmlns:r="http://schemas.openxmlformats.org/officeDocument/2006/relationships" xmlns:p="http://schemas.openxmlformats.org/presentationml/2006/main">
   <p:cSld>
     <p:spTree>
@@ -13829,7 +14088,7 @@
 </p:sld>
 </file>
 
-<file path=ppt/slides/slide13.xml><?xml version="1.0" encoding="utf-8"?>
+<file path=ppt/slides/slide14.xml><?xml version="1.0" encoding="utf-8"?>
 <p:sld xmlns:a="http://schemas.openxmlformats.org/drawingml/2006/main" xmlns:r="http://schemas.openxmlformats.org/officeDocument/2006/relationships" xmlns:p="http://schemas.openxmlformats.org/presentationml/2006/main">
   <p:cSld>
     <p:spTree>
@@ -13925,7 +14184,7 @@
 </p:sld>
 </file>
 
-<file path=ppt/slides/slide14.xml><?xml version="1.0" encoding="utf-8"?>
+<file path=ppt/slides/slide15.xml><?xml version="1.0" encoding="utf-8"?>
 <p:sld xmlns:a="http://schemas.openxmlformats.org/drawingml/2006/main" xmlns:r="http://schemas.openxmlformats.org/officeDocument/2006/relationships" xmlns:p="http://schemas.openxmlformats.org/presentationml/2006/main">
   <p:cSld>
     <p:spTree>
@@ -13985,7 +14244,7 @@
 </p:sld>
 </file>
 
-<file path=ppt/slides/slide15.xml><?xml version="1.0" encoding="utf-8"?>
+<file path=ppt/slides/slide16.xml><?xml version="1.0" encoding="utf-8"?>
 <p:sld xmlns:a="http://schemas.openxmlformats.org/drawingml/2006/main" xmlns:r="http://schemas.openxmlformats.org/officeDocument/2006/relationships" xmlns:p="http://schemas.openxmlformats.org/presentationml/2006/main">
   <p:cSld>
     <p:spTree>
@@ -14089,7 +14348,7 @@
 </p:sld>
 </file>
 
-<file path=ppt/slides/slide16.xml><?xml version="1.0" encoding="utf-8"?>
+<file path=ppt/slides/slide17.xml><?xml version="1.0" encoding="utf-8"?>
 <p:sld xmlns:a="http://schemas.openxmlformats.org/drawingml/2006/main" xmlns:r="http://schemas.openxmlformats.org/officeDocument/2006/relationships" xmlns:p="http://schemas.openxmlformats.org/presentationml/2006/main">
   <p:cSld>
     <p:spTree>
@@ -14252,7 +14511,7 @@
 </p:sld>
 </file>
 
-<file path=ppt/slides/slide17.xml><?xml version="1.0" encoding="utf-8"?>
+<file path=ppt/slides/slide18.xml><?xml version="1.0" encoding="utf-8"?>
 <p:sld xmlns:a="http://schemas.openxmlformats.org/drawingml/2006/main" xmlns:r="http://schemas.openxmlformats.org/officeDocument/2006/relationships" xmlns:p="http://schemas.openxmlformats.org/presentationml/2006/main">
   <p:cSld>
     <p:spTree>
@@ -14519,7 +14778,7 @@
 </p:sld>
 </file>
 
-<file path=ppt/slides/slide18.xml><?xml version="1.0" encoding="utf-8"?>
+<file path=ppt/slides/slide19.xml><?xml version="1.0" encoding="utf-8"?>
 <p:sld xmlns:a="http://schemas.openxmlformats.org/drawingml/2006/main" xmlns:r="http://schemas.openxmlformats.org/officeDocument/2006/relationships" xmlns:p="http://schemas.openxmlformats.org/presentationml/2006/main">
   <p:cSld>
     <p:spTree>
@@ -14920,36 +15179,258 @@
           <a:chExt cx="0" cy="0"/>
         </a:xfrm>
       </p:grpSpPr>
-      <p:pic>
-        <p:nvPicPr>
-          <p:cNvPr id="2" name="Picture 1">
+      <p:sp>
+        <p:nvSpPr>
+          <p:cNvPr id="3" name="Title 2">
             <a:extLst>
               <a:ext uri="{FF2B5EF4-FFF2-40B4-BE49-F238E27FC236}">
-                <a16:creationId xmlns:a16="http://schemas.microsoft.com/office/drawing/2014/main" id="{06944AC7-B9C0-4742-ABFC-260FE1942213}"/>
+                <a16:creationId xmlns:a16="http://schemas.microsoft.com/office/drawing/2014/main" id="{3D76ADE3-99C1-41C5-B4AB-5F8AB01D8410}"/>
               </a:ext>
             </a:extLst>
           </p:cNvPr>
-          <p:cNvPicPr>
-            <a:picLocks noChangeAspect="1"/>
-          </p:cNvPicPr>
-          <p:nvPr/>
-        </p:nvPicPr>
-        <p:blipFill>
-          <a:blip r:embed="rId2"/>
-          <a:stretch>
-            <a:fillRect/>
-          </a:stretch>
-        </p:blipFill>
+          <p:cNvSpPr>
+            <a:spLocks noGrp="1"/>
+          </p:cNvSpPr>
+          <p:nvPr>
+            <p:ph type="title" idx="4294967295"/>
+          </p:nvPr>
+        </p:nvSpPr>
         <p:spPr>
           <a:xfrm>
-            <a:off x="339048" y="595902"/>
-            <a:ext cx="9560798" cy="5774076"/>
+            <a:off x="0" y="365125"/>
+            <a:ext cx="10515600" cy="641350"/>
+          </a:xfrm>
+        </p:spPr>
+        <p:txBody>
+          <a:bodyPr>
+            <a:normAutofit fontScale="90000"/>
+          </a:bodyPr>
+          <a:lstStyle/>
+          <a:p>
+            <a:r>
+              <a:rPr lang="en-US" b="1" dirty="0"/>
+              <a:t>      </a:t>
+            </a:r>
+            <a:r>
+              <a:rPr lang="en-US" b="1" dirty="0">
+                <a:solidFill>
+                  <a:srgbClr val="C00000"/>
+                </a:solidFill>
+                <a:latin typeface="+mn-lt"/>
+              </a:rPr>
+              <a:t>Data Description:</a:t>
+            </a:r>
+            <a:endParaRPr lang="en-AU" b="1" dirty="0">
+              <a:solidFill>
+                <a:srgbClr val="C00000"/>
+              </a:solidFill>
+              <a:latin typeface="+mn-lt"/>
+            </a:endParaRPr>
+          </a:p>
+        </p:txBody>
+      </p:sp>
+      <p:sp>
+        <p:nvSpPr>
+          <p:cNvPr id="4" name="Text Placeholder 3">
+            <a:extLst>
+              <a:ext uri="{FF2B5EF4-FFF2-40B4-BE49-F238E27FC236}">
+                <a16:creationId xmlns:a16="http://schemas.microsoft.com/office/drawing/2014/main" id="{826266E4-EAE0-4C8E-A898-1EFBA0239876}"/>
+              </a:ext>
+            </a:extLst>
+          </p:cNvPr>
+          <p:cNvSpPr>
+            <a:spLocks noGrp="1"/>
+          </p:cNvSpPr>
+          <p:nvPr>
+            <p:ph type="body" idx="4294967295"/>
+          </p:nvPr>
+        </p:nvSpPr>
+        <p:spPr>
+          <a:xfrm>
+            <a:off x="359596" y="1184275"/>
+            <a:ext cx="11832404" cy="1833631"/>
+          </a:xfrm>
+        </p:spPr>
+        <p:txBody>
+          <a:bodyPr>
+            <a:normAutofit/>
+          </a:bodyPr>
+          <a:lstStyle/>
+          <a:p>
+            <a:pPr marL="50800" indent="0">
+              <a:buNone/>
+            </a:pPr>
+            <a:r>
+              <a:rPr lang="en-US" sz="1700" dirty="0">
+                <a:latin typeface="+mn-lt"/>
+              </a:rPr>
+              <a:t> The dataset released by Aspiring Minds from the Aspiring Mind Employment Outcome 2015 (AMEO). The study is primarily limited  only to students with engineering disciplines. The dataset contains the employment outcomes of engineering graduates as dependent variables (Salary, Job Titles, and Job Locations) along with the standardized scores from three different areas – cognitive skills, technical skills and personality skills. The dataset also contains demographic features. The dataset  contains  around Target variable Salary and  40 independent variables and 4000 data points. The independent variables are both continuous and categorical in nature</a:t>
+            </a:r>
+            <a:r>
+              <a:rPr lang="en-US" sz="1400" dirty="0">
+                <a:latin typeface="+mn-lt"/>
+              </a:rPr>
+              <a:t>. </a:t>
+            </a:r>
+            <a:endParaRPr lang="en-AU" sz="1400" dirty="0">
+              <a:latin typeface="+mn-lt"/>
+            </a:endParaRPr>
+          </a:p>
+        </p:txBody>
+      </p:sp>
+      <p:sp>
+        <p:nvSpPr>
+          <p:cNvPr id="6" name="TextBox 5">
+            <a:extLst>
+              <a:ext uri="{FF2B5EF4-FFF2-40B4-BE49-F238E27FC236}">
+                <a16:creationId xmlns:a16="http://schemas.microsoft.com/office/drawing/2014/main" id="{40691033-1E2F-4D9E-B5EA-556D4650109B}"/>
+              </a:ext>
+            </a:extLst>
+          </p:cNvPr>
+          <p:cNvSpPr txBox="1"/>
+          <p:nvPr/>
+        </p:nvSpPr>
+        <p:spPr>
+          <a:xfrm>
+            <a:off x="541105" y="3017906"/>
+            <a:ext cx="4315146" cy="707886"/>
           </a:xfrm>
           <a:prstGeom prst="rect">
             <a:avLst/>
           </a:prstGeom>
+          <a:noFill/>
         </p:spPr>
-      </p:pic>
+        <p:txBody>
+          <a:bodyPr wrap="square" rtlCol="0">
+            <a:spAutoFit/>
+          </a:bodyPr>
+          <a:lstStyle/>
+          <a:p>
+            <a:r>
+              <a:rPr lang="en-US" sz="4000" b="1" dirty="0">
+                <a:solidFill>
+                  <a:srgbClr val="C00000"/>
+                </a:solidFill>
+                <a:latin typeface="+mn-lt"/>
+              </a:rPr>
+              <a:t>Objective:</a:t>
+            </a:r>
+            <a:endParaRPr lang="en-AU" sz="4000" b="1" dirty="0">
+              <a:solidFill>
+                <a:srgbClr val="C00000"/>
+              </a:solidFill>
+              <a:latin typeface="+mn-lt"/>
+            </a:endParaRPr>
+          </a:p>
+        </p:txBody>
+      </p:sp>
+      <p:sp>
+        <p:nvSpPr>
+          <p:cNvPr id="7" name="TextBox 6">
+            <a:extLst>
+              <a:ext uri="{FF2B5EF4-FFF2-40B4-BE49-F238E27FC236}">
+                <a16:creationId xmlns:a16="http://schemas.microsoft.com/office/drawing/2014/main" id="{41E1DB92-D221-4CCC-BAD2-18943D705BDD}"/>
+              </a:ext>
+            </a:extLst>
+          </p:cNvPr>
+          <p:cNvSpPr txBox="1"/>
+          <p:nvPr/>
+        </p:nvSpPr>
+        <p:spPr>
+          <a:xfrm>
+            <a:off x="256854" y="3624335"/>
+            <a:ext cx="12099533" cy="3231654"/>
+          </a:xfrm>
+          <a:prstGeom prst="rect">
+            <a:avLst/>
+          </a:prstGeom>
+          <a:noFill/>
+        </p:spPr>
+        <p:txBody>
+          <a:bodyPr wrap="square" rtlCol="0">
+            <a:spAutoFit/>
+          </a:bodyPr>
+          <a:lstStyle/>
+          <a:p>
+            <a:r>
+              <a:rPr lang="en-US" sz="1600" dirty="0"/>
+              <a:t>The primary objective of this project is to analyze and derive insights from the Aspiring Mind Employment Outcome 2015 (AMEO) dataset, focusing on engineering graduates. The project aims to explore the employment outcomes of these graduates by investigating the relationships between various independent variables, including standardized scores in cognitive skills, technical skills, personality skills, and demographic features.</a:t>
+            </a:r>
+          </a:p>
+          <a:p>
+            <a:endParaRPr lang="en-US" sz="1600" dirty="0"/>
+          </a:p>
+          <a:p>
+            <a:r>
+              <a:rPr lang="en-US" sz="1600" b="1" dirty="0"/>
+              <a:t>Some of the goals are:</a:t>
+            </a:r>
+          </a:p>
+          <a:p>
+            <a:pPr marL="285750" indent="-285750">
+              <a:buFont typeface="Arial" panose="020B0604020202020204" pitchFamily="34" charset="0"/>
+              <a:buChar char="•"/>
+            </a:pPr>
+            <a:r>
+              <a:rPr lang="en-US" sz="1600" dirty="0"/>
+              <a:t>Data cleaning and preprocessing</a:t>
+            </a:r>
+          </a:p>
+          <a:p>
+            <a:pPr marL="285750" indent="-285750">
+              <a:buFont typeface="Arial" panose="020B0604020202020204" pitchFamily="34" charset="0"/>
+              <a:buChar char="•"/>
+            </a:pPr>
+            <a:r>
+              <a:rPr lang="en-US" sz="1600" dirty="0"/>
+              <a:t>Data Visualization</a:t>
+            </a:r>
+          </a:p>
+          <a:p>
+            <a:pPr marL="285750" indent="-285750">
+              <a:buFont typeface="Arial" panose="020B0604020202020204" pitchFamily="34" charset="0"/>
+              <a:buChar char="•"/>
+            </a:pPr>
+            <a:r>
+              <a:rPr lang="en-US" sz="1600" dirty="0"/>
+              <a:t>Explore Demographic Features such as Gender, State, City</a:t>
+            </a:r>
+          </a:p>
+          <a:p>
+            <a:pPr marL="285750" indent="-285750">
+              <a:buFont typeface="Arial" panose="020B0604020202020204" pitchFamily="34" charset="0"/>
+              <a:buChar char="•"/>
+            </a:pPr>
+            <a:r>
+              <a:rPr lang="en-US" sz="1600" dirty="0"/>
+              <a:t>Study Employment Outcomes</a:t>
+            </a:r>
+          </a:p>
+          <a:p>
+            <a:pPr marL="285750" indent="-285750">
+              <a:buFont typeface="Arial" panose="020B0604020202020204" pitchFamily="34" charset="0"/>
+              <a:buChar char="•"/>
+            </a:pPr>
+            <a:r>
+              <a:rPr lang="en-US" sz="1600" dirty="0"/>
+              <a:t>Correlation between target and independent features </a:t>
+            </a:r>
+          </a:p>
+          <a:p>
+            <a:pPr marL="285750" indent="-285750">
+              <a:buFont typeface="Arial" panose="020B0604020202020204" pitchFamily="34" charset="0"/>
+              <a:buChar char="•"/>
+            </a:pPr>
+            <a:r>
+              <a:rPr lang="en-US" sz="1600" dirty="0"/>
+              <a:t> Identify Key Factors</a:t>
+            </a:r>
+          </a:p>
+          <a:p>
+            <a:endParaRPr lang="en-AU" dirty="0"/>
+          </a:p>
+        </p:txBody>
+      </p:sp>
     </p:spTree>
     <p:extLst>
       <p:ext uri="{BB962C8B-B14F-4D97-AF65-F5344CB8AC3E}">
@@ -14964,6 +15445,253 @@
 </file>
 
 <file path=ppt/slides/slide4.xml><?xml version="1.0" encoding="utf-8"?>
+<p:sld xmlns:a="http://schemas.openxmlformats.org/drawingml/2006/main" xmlns:r="http://schemas.openxmlformats.org/officeDocument/2006/relationships" xmlns:p="http://schemas.openxmlformats.org/presentationml/2006/main">
+  <p:cSld>
+    <p:spTree>
+      <p:nvGrpSpPr>
+        <p:cNvPr id="1" name=""/>
+        <p:cNvGrpSpPr/>
+        <p:nvPr/>
+      </p:nvGrpSpPr>
+      <p:grpSpPr>
+        <a:xfrm>
+          <a:off x="0" y="0"/>
+          <a:ext cx="0" cy="0"/>
+          <a:chOff x="0" y="0"/>
+          <a:chExt cx="0" cy="0"/>
+        </a:xfrm>
+      </p:grpSpPr>
+      <p:sp>
+        <p:nvSpPr>
+          <p:cNvPr id="3" name="TextBox 2">
+            <a:extLst>
+              <a:ext uri="{FF2B5EF4-FFF2-40B4-BE49-F238E27FC236}">
+                <a16:creationId xmlns:a16="http://schemas.microsoft.com/office/drawing/2014/main" id="{5BBE134C-DF27-4C57-A8D9-6C0726325AC1}"/>
+              </a:ext>
+            </a:extLst>
+          </p:cNvPr>
+          <p:cNvSpPr txBox="1"/>
+          <p:nvPr/>
+        </p:nvSpPr>
+        <p:spPr>
+          <a:xfrm>
+            <a:off x="482885" y="369870"/>
+            <a:ext cx="4736387" cy="1754326"/>
+          </a:xfrm>
+          <a:prstGeom prst="rect">
+            <a:avLst/>
+          </a:prstGeom>
+          <a:noFill/>
+        </p:spPr>
+        <p:txBody>
+          <a:bodyPr wrap="square" rtlCol="0">
+            <a:spAutoFit/>
+          </a:bodyPr>
+          <a:lstStyle/>
+          <a:p>
+            <a:r>
+              <a:rPr lang="en-US" sz="1800" b="1" dirty="0">
+                <a:solidFill>
+                  <a:srgbClr val="C00000"/>
+                </a:solidFill>
+              </a:rPr>
+              <a:t>Libraries Used:</a:t>
+            </a:r>
+          </a:p>
+          <a:p>
+            <a:endParaRPr lang="en-US" sz="1800" dirty="0"/>
+          </a:p>
+          <a:p>
+            <a:pPr marL="285750" indent="-285750">
+              <a:buFont typeface="Arial" panose="020B0604020202020204" pitchFamily="34" charset="0"/>
+              <a:buChar char="•"/>
+            </a:pPr>
+            <a:r>
+              <a:rPr lang="en-US" sz="1800" dirty="0"/>
+              <a:t>Pandas</a:t>
+            </a:r>
+          </a:p>
+          <a:p>
+            <a:pPr marL="285750" indent="-285750">
+              <a:buFont typeface="Arial" panose="020B0604020202020204" pitchFamily="34" charset="0"/>
+              <a:buChar char="•"/>
+            </a:pPr>
+            <a:r>
+              <a:rPr lang="en-US" sz="1800" dirty="0" err="1"/>
+              <a:t>Numpy</a:t>
+            </a:r>
+            <a:endParaRPr lang="en-US" sz="1800" dirty="0"/>
+          </a:p>
+          <a:p>
+            <a:pPr marL="285750" indent="-285750">
+              <a:buFont typeface="Arial" panose="020B0604020202020204" pitchFamily="34" charset="0"/>
+              <a:buChar char="•"/>
+            </a:pPr>
+            <a:r>
+              <a:rPr lang="en-US" sz="1800" dirty="0"/>
+              <a:t>Matplotlib</a:t>
+            </a:r>
+          </a:p>
+          <a:p>
+            <a:pPr marL="285750" indent="-285750">
+              <a:buFont typeface="Arial" panose="020B0604020202020204" pitchFamily="34" charset="0"/>
+              <a:buChar char="•"/>
+            </a:pPr>
+            <a:r>
+              <a:rPr lang="en-US" sz="1800" dirty="0"/>
+              <a:t>Seaborn</a:t>
+            </a:r>
+            <a:endParaRPr lang="en-AU" sz="1800" dirty="0"/>
+          </a:p>
+        </p:txBody>
+      </p:sp>
+      <p:sp>
+        <p:nvSpPr>
+          <p:cNvPr id="4" name="TextBox 3">
+            <a:extLst>
+              <a:ext uri="{FF2B5EF4-FFF2-40B4-BE49-F238E27FC236}">
+                <a16:creationId xmlns:a16="http://schemas.microsoft.com/office/drawing/2014/main" id="{405BEC7B-2483-430C-B08B-CCBCE5D76FE8}"/>
+              </a:ext>
+            </a:extLst>
+          </p:cNvPr>
+          <p:cNvSpPr txBox="1"/>
+          <p:nvPr/>
+        </p:nvSpPr>
+        <p:spPr>
+          <a:xfrm>
+            <a:off x="667820" y="2568539"/>
+            <a:ext cx="6421349" cy="3416320"/>
+          </a:xfrm>
+          <a:prstGeom prst="rect">
+            <a:avLst/>
+          </a:prstGeom>
+          <a:noFill/>
+        </p:spPr>
+        <p:txBody>
+          <a:bodyPr wrap="square" rtlCol="0">
+            <a:spAutoFit/>
+          </a:bodyPr>
+          <a:lstStyle/>
+          <a:p>
+            <a:r>
+              <a:rPr lang="en-US" sz="1800" b="1" dirty="0">
+                <a:solidFill>
+                  <a:srgbClr val="C00000"/>
+                </a:solidFill>
+              </a:rPr>
+              <a:t>Steps Performed:</a:t>
+            </a:r>
+          </a:p>
+          <a:p>
+            <a:endParaRPr lang="en-US" sz="1800" b="1" dirty="0"/>
+          </a:p>
+          <a:p>
+            <a:pPr marL="285750" indent="-285750">
+              <a:buFont typeface="Arial" panose="020B0604020202020204" pitchFamily="34" charset="0"/>
+              <a:buChar char="•"/>
+            </a:pPr>
+            <a:r>
+              <a:rPr lang="en-US" sz="1800" dirty="0"/>
+              <a:t>Import necessary Libraries</a:t>
+            </a:r>
+          </a:p>
+          <a:p>
+            <a:pPr marL="285750" indent="-285750">
+              <a:buFont typeface="Arial" panose="020B0604020202020204" pitchFamily="34" charset="0"/>
+              <a:buChar char="•"/>
+            </a:pPr>
+            <a:r>
+              <a:rPr lang="en-US" sz="1800" dirty="0"/>
+              <a:t>Load the dataset.</a:t>
+            </a:r>
+          </a:p>
+          <a:p>
+            <a:pPr marL="285750" indent="-285750">
+              <a:buFont typeface="Arial" panose="020B0604020202020204" pitchFamily="34" charset="0"/>
+              <a:buChar char="•"/>
+            </a:pPr>
+            <a:r>
+              <a:rPr lang="en-US" sz="1800" dirty="0"/>
+              <a:t>Fix Column names.</a:t>
+            </a:r>
+          </a:p>
+          <a:p>
+            <a:pPr marL="285750" indent="-285750">
+              <a:buFont typeface="Arial" panose="020B0604020202020204" pitchFamily="34" charset="0"/>
+              <a:buChar char="•"/>
+            </a:pPr>
+            <a:r>
+              <a:rPr lang="en-US" sz="1800" dirty="0"/>
+              <a:t>Check null and duplicated values and clean them.</a:t>
+            </a:r>
+          </a:p>
+          <a:p>
+            <a:pPr marL="285750" indent="-285750">
+              <a:buFont typeface="Arial" panose="020B0604020202020204" pitchFamily="34" charset="0"/>
+              <a:buChar char="•"/>
+            </a:pPr>
+            <a:r>
+              <a:rPr lang="en-US" sz="1800" dirty="0"/>
+              <a:t>Detect and remove outliers.</a:t>
+            </a:r>
+          </a:p>
+          <a:p>
+            <a:pPr marL="285750" indent="-285750">
+              <a:buFont typeface="Arial" panose="020B0604020202020204" pitchFamily="34" charset="0"/>
+              <a:buChar char="•"/>
+            </a:pPr>
+            <a:r>
+              <a:rPr lang="en-US" sz="1800" dirty="0"/>
+              <a:t>Perform EDA</a:t>
+            </a:r>
+          </a:p>
+          <a:p>
+            <a:pPr marL="285750" indent="-285750">
+              <a:buFont typeface="Arial" panose="020B0604020202020204" pitchFamily="34" charset="0"/>
+              <a:buChar char="•"/>
+            </a:pPr>
+            <a:r>
+              <a:rPr lang="en-US" sz="1800" dirty="0"/>
+              <a:t>Perform non visualization and visualization univariate on categorical analysis on Numerical column.</a:t>
+            </a:r>
+          </a:p>
+          <a:p>
+            <a:pPr marL="285750" indent="-285750">
+              <a:buFont typeface="Arial" panose="020B0604020202020204" pitchFamily="34" charset="0"/>
+              <a:buChar char="•"/>
+            </a:pPr>
+            <a:r>
+              <a:rPr lang="en-US" sz="1800" dirty="0"/>
+              <a:t>Perform Bivariate Analysis</a:t>
+            </a:r>
+          </a:p>
+          <a:p>
+            <a:pPr marL="285750" indent="-285750">
+              <a:buFont typeface="Arial" panose="020B0604020202020204" pitchFamily="34" charset="0"/>
+              <a:buChar char="•"/>
+            </a:pPr>
+            <a:r>
+              <a:rPr lang="en-US" sz="1800" dirty="0"/>
+              <a:t>Conclusion</a:t>
+            </a:r>
+            <a:endParaRPr lang="en-AU" sz="1800" dirty="0"/>
+          </a:p>
+        </p:txBody>
+      </p:sp>
+    </p:spTree>
+    <p:extLst>
+      <p:ext uri="{BB962C8B-B14F-4D97-AF65-F5344CB8AC3E}">
+        <p14:creationId xmlns:p14="http://schemas.microsoft.com/office/powerpoint/2010/main" val="3597784193"/>
+      </p:ext>
+    </p:extLst>
+  </p:cSld>
+  <p:clrMapOvr>
+    <a:masterClrMapping/>
+  </p:clrMapOvr>
+</p:sld>
+</file>
+
+<file path=ppt/slides/slide5.xml><?xml version="1.0" encoding="utf-8"?>
 <p:sld xmlns:a="http://schemas.openxmlformats.org/drawingml/2006/main" xmlns:r="http://schemas.openxmlformats.org/officeDocument/2006/relationships" xmlns:p="http://schemas.openxmlformats.org/presentationml/2006/main">
   <p:cSld>
     <p:spTree>
@@ -15163,7 +15891,7 @@
 </p:sld>
 </file>
 
-<file path=ppt/slides/slide5.xml><?xml version="1.0" encoding="utf-8"?>
+<file path=ppt/slides/slide6.xml><?xml version="1.0" encoding="utf-8"?>
 <p:sld xmlns:a="http://schemas.openxmlformats.org/drawingml/2006/main" xmlns:r="http://schemas.openxmlformats.org/officeDocument/2006/relationships" xmlns:p="http://schemas.openxmlformats.org/presentationml/2006/main">
   <p:cSld>
     <p:spTree>
@@ -15196,7 +15924,12 @@
             <p:ph type="title"/>
           </p:nvPr>
         </p:nvSpPr>
-        <p:spPr/>
+        <p:spPr>
+          <a:xfrm>
+            <a:off x="838199" y="365125"/>
+            <a:ext cx="10515601" cy="1325563"/>
+          </a:xfrm>
+        </p:spPr>
         <p:txBody>
           <a:bodyPr/>
           <a:lstStyle/>
@@ -15384,7 +16117,7 @@
 </p:sld>
 </file>
 
-<file path=ppt/slides/slide6.xml><?xml version="1.0" encoding="utf-8"?>
+<file path=ppt/slides/slide7.xml><?xml version="1.0" encoding="utf-8"?>
 <p:sld xmlns:a="http://schemas.openxmlformats.org/drawingml/2006/main" xmlns:r="http://schemas.openxmlformats.org/officeDocument/2006/relationships" xmlns:p="http://schemas.openxmlformats.org/presentationml/2006/main">
   <p:cSld>
     <p:spTree>
@@ -15419,19 +16152,33 @@
         </p:nvSpPr>
         <p:spPr>
           <a:xfrm>
-            <a:off x="0" y="365125"/>
-            <a:ext cx="10515600" cy="1325563"/>
+            <a:off x="226030" y="365125"/>
+            <a:ext cx="11281026" cy="672565"/>
           </a:xfrm>
         </p:spPr>
         <p:txBody>
-          <a:bodyPr/>
+          <a:bodyPr>
+            <a:normAutofit fontScale="90000"/>
+          </a:bodyPr>
           <a:lstStyle/>
           <a:p>
             <a:r>
               <a:rPr lang="en-US" dirty="0"/>
-              <a:t>		Top10 10Board and 12Board</a:t>
+              <a:t>		</a:t>
             </a:r>
-            <a:endParaRPr lang="en-AU" dirty="0"/>
+            <a:r>
+              <a:rPr lang="en-US" dirty="0">
+                <a:solidFill>
+                  <a:srgbClr val="C00000"/>
+                </a:solidFill>
+              </a:rPr>
+              <a:t>Top10 10Board and 12Board and State</a:t>
+            </a:r>
+            <a:endParaRPr lang="en-AU" dirty="0">
+              <a:solidFill>
+                <a:srgbClr val="C00000"/>
+              </a:solidFill>
+            </a:endParaRPr>
           </a:p>
         </p:txBody>
       </p:sp>
@@ -15457,7 +16204,7 @@
         </p:blipFill>
         <p:spPr>
           <a:xfrm>
-            <a:off x="371061" y="1539777"/>
+            <a:off x="145399" y="1273735"/>
             <a:ext cx="5341370" cy="4038265"/>
           </a:xfrm>
           <a:prstGeom prst="rect">
@@ -15529,6 +16276,104 @@
           </a:p>
         </p:txBody>
       </p:sp>
+      <p:pic>
+        <p:nvPicPr>
+          <p:cNvPr id="5" name="Picture 4">
+            <a:extLst>
+              <a:ext uri="{FF2B5EF4-FFF2-40B4-BE49-F238E27FC236}">
+                <a16:creationId xmlns:a16="http://schemas.microsoft.com/office/drawing/2014/main" id="{F5552937-6221-47B3-B487-86521381B932}"/>
+              </a:ext>
+            </a:extLst>
+          </p:cNvPr>
+          <p:cNvPicPr>
+            <a:picLocks noChangeAspect="1"/>
+          </p:cNvPicPr>
+          <p:nvPr/>
+        </p:nvPicPr>
+        <p:blipFill>
+          <a:blip r:embed="rId3"/>
+          <a:stretch>
+            <a:fillRect/>
+          </a:stretch>
+        </p:blipFill>
+        <p:spPr>
+          <a:xfrm>
+            <a:off x="5568592" y="1131290"/>
+            <a:ext cx="6174399" cy="3934130"/>
+          </a:xfrm>
+          <a:prstGeom prst="rect">
+            <a:avLst/>
+          </a:prstGeom>
+        </p:spPr>
+      </p:pic>
+      <p:sp>
+        <p:nvSpPr>
+          <p:cNvPr id="6" name="TextBox 5">
+            <a:extLst>
+              <a:ext uri="{FF2B5EF4-FFF2-40B4-BE49-F238E27FC236}">
+                <a16:creationId xmlns:a16="http://schemas.microsoft.com/office/drawing/2014/main" id="{06A462F8-2B0C-40EA-856C-D51A81DDF835}"/>
+              </a:ext>
+            </a:extLst>
+          </p:cNvPr>
+          <p:cNvSpPr txBox="1"/>
+          <p:nvPr/>
+        </p:nvSpPr>
+        <p:spPr>
+          <a:xfrm>
+            <a:off x="6349428" y="5548045"/>
+            <a:ext cx="5640513" cy="523220"/>
+          </a:xfrm>
+          <a:prstGeom prst="rect">
+            <a:avLst/>
+          </a:prstGeom>
+          <a:noFill/>
+        </p:spPr>
+        <p:txBody>
+          <a:bodyPr wrap="square" rtlCol="0">
+            <a:spAutoFit/>
+          </a:bodyPr>
+          <a:lstStyle/>
+          <a:p>
+            <a:r>
+              <a:rPr lang="en-US" b="1" dirty="0"/>
+              <a:t>Majority of the students have studied from UP, followed by </a:t>
+            </a:r>
+            <a:r>
+              <a:rPr lang="en-US" b="1" dirty="0" err="1"/>
+              <a:t>karnataka</a:t>
+            </a:r>
+            <a:r>
+              <a:rPr lang="en-US" b="1" dirty="0"/>
+              <a:t>, </a:t>
+            </a:r>
+            <a:r>
+              <a:rPr lang="en-US" b="1" dirty="0" err="1"/>
+              <a:t>tamil</a:t>
+            </a:r>
+            <a:r>
+              <a:rPr lang="en-US" b="1" dirty="0"/>
+              <a:t> </a:t>
+            </a:r>
+            <a:r>
+              <a:rPr lang="en-US" b="1" dirty="0" err="1"/>
+              <a:t>nadu</a:t>
+            </a:r>
+            <a:r>
+              <a:rPr lang="en-US" b="1" dirty="0"/>
+              <a:t> and </a:t>
+            </a:r>
+            <a:r>
+              <a:rPr lang="en-US" b="1" dirty="0" err="1"/>
+              <a:t>telangana</a:t>
+            </a:r>
+            <a:r>
+              <a:rPr lang="en-US" b="1" dirty="0"/>
+              <a:t> and least are from Goa</a:t>
+            </a:r>
+            <a:endParaRPr lang="en-AU" b="1" dirty="0"/>
+          </a:p>
+        </p:txBody>
+      </p:sp>
     </p:spTree>
     <p:extLst>
       <p:ext uri="{BB962C8B-B14F-4D97-AF65-F5344CB8AC3E}">
@@ -15542,7 +16387,7 @@
 </p:sld>
 </file>
 
-<file path=ppt/slides/slide7.xml><?xml version="1.0" encoding="utf-8"?>
+<file path=ppt/slides/slide8.xml><?xml version="1.0" encoding="utf-8"?>
 <p:sld xmlns:a="http://schemas.openxmlformats.org/drawingml/2006/main" xmlns:r="http://schemas.openxmlformats.org/officeDocument/2006/relationships" xmlns:p="http://schemas.openxmlformats.org/presentationml/2006/main">
   <p:cSld>
     <p:spTree>
@@ -15582,9 +16427,21 @@
           <a:p>
             <a:r>
               <a:rPr lang="en-US" dirty="0"/>
-              <a:t>		Degree and Specialization </a:t>
+              <a:t>		</a:t>
             </a:r>
-            <a:endParaRPr lang="en-AU" dirty="0"/>
+            <a:r>
+              <a:rPr lang="en-US" dirty="0">
+                <a:solidFill>
+                  <a:srgbClr val="C00000"/>
+                </a:solidFill>
+              </a:rPr>
+              <a:t>Degree and Specialization </a:t>
+            </a:r>
+            <a:endParaRPr lang="en-AU" dirty="0">
+              <a:solidFill>
+                <a:srgbClr val="C00000"/>
+              </a:solidFill>
+            </a:endParaRPr>
           </a:p>
         </p:txBody>
       </p:sp>
@@ -15757,7 +16614,7 @@
 </p:sld>
 </file>
 
-<file path=ppt/slides/slide8.xml><?xml version="1.0" encoding="utf-8"?>
+<file path=ppt/slides/slide9.xml><?xml version="1.0" encoding="utf-8"?>
 <p:sld xmlns:a="http://schemas.openxmlformats.org/drawingml/2006/main" xmlns:r="http://schemas.openxmlformats.org/officeDocument/2006/relationships" xmlns:p="http://schemas.openxmlformats.org/presentationml/2006/main">
   <p:cSld>
     <p:spTree>
@@ -16017,166 +16874,6 @@
     <p:extLst>
       <p:ext uri="{BB962C8B-B14F-4D97-AF65-F5344CB8AC3E}">
         <p14:creationId xmlns:p14="http://schemas.microsoft.com/office/powerpoint/2010/main" val="4241410239"/>
-      </p:ext>
-    </p:extLst>
-  </p:cSld>
-  <p:clrMapOvr>
-    <a:masterClrMapping/>
-  </p:clrMapOvr>
-</p:sld>
-</file>
-
-<file path=ppt/slides/slide9.xml><?xml version="1.0" encoding="utf-8"?>
-<p:sld xmlns:a="http://schemas.openxmlformats.org/drawingml/2006/main" xmlns:r="http://schemas.openxmlformats.org/officeDocument/2006/relationships" xmlns:p="http://schemas.openxmlformats.org/presentationml/2006/main">
-  <p:cSld>
-    <p:spTree>
-      <p:nvGrpSpPr>
-        <p:cNvPr id="1" name=""/>
-        <p:cNvGrpSpPr/>
-        <p:nvPr/>
-      </p:nvGrpSpPr>
-      <p:grpSpPr>
-        <a:xfrm>
-          <a:off x="0" y="0"/>
-          <a:ext cx="0" cy="0"/>
-          <a:chOff x="0" y="0"/>
-          <a:chExt cx="0" cy="0"/>
-        </a:xfrm>
-      </p:grpSpPr>
-      <p:pic>
-        <p:nvPicPr>
-          <p:cNvPr id="4" name="Picture 3">
-            <a:extLst>
-              <a:ext uri="{FF2B5EF4-FFF2-40B4-BE49-F238E27FC236}">
-                <a16:creationId xmlns:a16="http://schemas.microsoft.com/office/drawing/2014/main" id="{D4008CF0-EF37-435D-8AE7-58E94D2E57F1}"/>
-              </a:ext>
-            </a:extLst>
-          </p:cNvPr>
-          <p:cNvPicPr>
-            <a:picLocks noChangeAspect="1"/>
-          </p:cNvPicPr>
-          <p:nvPr/>
-        </p:nvPicPr>
-        <p:blipFill>
-          <a:blip r:embed="rId2"/>
-          <a:stretch>
-            <a:fillRect/>
-          </a:stretch>
-        </p:blipFill>
-        <p:spPr>
-          <a:xfrm>
-            <a:off x="513907" y="671884"/>
-            <a:ext cx="11164186" cy="4575512"/>
-          </a:xfrm>
-          <a:prstGeom prst="rect">
-            <a:avLst/>
-          </a:prstGeom>
-        </p:spPr>
-      </p:pic>
-      <p:sp>
-        <p:nvSpPr>
-          <p:cNvPr id="5" name="TextBox 4">
-            <a:extLst>
-              <a:ext uri="{FF2B5EF4-FFF2-40B4-BE49-F238E27FC236}">
-                <a16:creationId xmlns:a16="http://schemas.microsoft.com/office/drawing/2014/main" id="{711D51C9-ABFD-4D51-BB1E-0A4970677FAB}"/>
-              </a:ext>
-            </a:extLst>
-          </p:cNvPr>
-          <p:cNvSpPr txBox="1"/>
-          <p:nvPr/>
-        </p:nvSpPr>
-        <p:spPr>
-          <a:xfrm>
-            <a:off x="1552350" y="151939"/>
-            <a:ext cx="8484783" cy="461665"/>
-          </a:xfrm>
-          <a:prstGeom prst="rect">
-            <a:avLst/>
-          </a:prstGeom>
-          <a:noFill/>
-        </p:spPr>
-        <p:txBody>
-          <a:bodyPr wrap="square" rtlCol="0">
-            <a:spAutoFit/>
-          </a:bodyPr>
-          <a:lstStyle/>
-          <a:p>
-            <a:r>
-              <a:rPr lang="en-US" sz="2400" b="1" dirty="0"/>
-              <a:t>	    Bivariate Analysis on Salary and Designation</a:t>
-            </a:r>
-            <a:endParaRPr lang="en-AU" sz="2400" b="1" dirty="0"/>
-          </a:p>
-        </p:txBody>
-      </p:sp>
-      <p:sp>
-        <p:nvSpPr>
-          <p:cNvPr id="6" name="TextBox 5">
-            <a:extLst>
-              <a:ext uri="{FF2B5EF4-FFF2-40B4-BE49-F238E27FC236}">
-                <a16:creationId xmlns:a16="http://schemas.microsoft.com/office/drawing/2014/main" id="{B32734FC-53BF-45B2-BAF4-C9F74D4F3073}"/>
-              </a:ext>
-            </a:extLst>
-          </p:cNvPr>
-          <p:cNvSpPr txBox="1"/>
-          <p:nvPr/>
-        </p:nvSpPr>
-        <p:spPr>
-          <a:xfrm>
-            <a:off x="1306032" y="5316338"/>
-            <a:ext cx="9579935" cy="1169551"/>
-          </a:xfrm>
-          <a:prstGeom prst="rect">
-            <a:avLst/>
-          </a:prstGeom>
-          <a:noFill/>
-        </p:spPr>
-        <p:txBody>
-          <a:bodyPr wrap="square" rtlCol="0">
-            <a:spAutoFit/>
-          </a:bodyPr>
-          <a:lstStyle/>
-          <a:p>
-            <a:r>
-              <a:rPr lang="en-US" b="1" dirty="0"/>
-              <a:t>We observe that Majority of the candidates are Male, many candidates are working as software engineer and software developer</a:t>
-            </a:r>
-          </a:p>
-          <a:p>
-            <a:r>
-              <a:rPr lang="en-US" b="1" dirty="0"/>
-              <a:t>* Majority of the Females are working as Software engineer compared to other roles</a:t>
-            </a:r>
-          </a:p>
-          <a:p>
-            <a:r>
-              <a:rPr lang="en-US" b="1" dirty="0"/>
-              <a:t>* Majority of the candidates are working in software field </a:t>
-            </a:r>
-            <a:r>
-              <a:rPr lang="en-US" b="1" dirty="0" err="1"/>
-              <a:t>because,majority</a:t>
-            </a:r>
-            <a:r>
-              <a:rPr lang="en-US" b="1" dirty="0"/>
-              <a:t> of the candidates have done </a:t>
-            </a:r>
-            <a:r>
-              <a:rPr lang="en-US" b="1" dirty="0" err="1"/>
-              <a:t>B.Tech</a:t>
-            </a:r>
-            <a:r>
-              <a:rPr lang="en-US" b="1" dirty="0"/>
-              <a:t> from CS and IT Specialization</a:t>
-            </a:r>
-            <a:endParaRPr lang="en-AU" b="1" dirty="0"/>
-          </a:p>
-        </p:txBody>
-      </p:sp>
-    </p:spTree>
-    <p:extLst>
-      <p:ext uri="{BB962C8B-B14F-4D97-AF65-F5344CB8AC3E}">
-        <p14:creationId xmlns:p14="http://schemas.microsoft.com/office/powerpoint/2010/main" val="3746761107"/>
       </p:ext>
     </p:extLst>
   </p:cSld>
